--- a/PhDThesis/figs/risk_requirements.pptx
+++ b/PhDThesis/figs/risk_requirements.pptx
@@ -104,6 +104,11 @@
       </a:defRPr>
     </a:lvl9pPr>
   </p:defaultTextStyle>
+  <p:extLst>
+    <p:ext uri="{EFAFB233-063F-42B5-8137-9DF3F51BA10A}">
+      <p15:sldGuideLst xmlns:p15="http://schemas.microsoft.com/office/powerpoint/2012/main"/>
+    </p:ext>
+  </p:extLst>
 </p:presentation>
 </file>
 
@@ -238,7 +243,7 @@
           <a:p>
             <a:fld id="{554081C4-6782-4726-AD96-E8DA9AA18E3E}" type="datetimeFigureOut">
               <a:rPr lang="en-US" smtClean="0"/>
-              <a:t>8/4/2015</a:t>
+              <a:t>3/29/2016</a:t>
             </a:fld>
             <a:endParaRPr lang="en-US"/>
           </a:p>
@@ -408,7 +413,7 @@
           <a:p>
             <a:fld id="{554081C4-6782-4726-AD96-E8DA9AA18E3E}" type="datetimeFigureOut">
               <a:rPr lang="en-US" smtClean="0"/>
-              <a:t>8/4/2015</a:t>
+              <a:t>3/29/2016</a:t>
             </a:fld>
             <a:endParaRPr lang="en-US"/>
           </a:p>
@@ -588,7 +593,7 @@
           <a:p>
             <a:fld id="{554081C4-6782-4726-AD96-E8DA9AA18E3E}" type="datetimeFigureOut">
               <a:rPr lang="en-US" smtClean="0"/>
-              <a:t>8/4/2015</a:t>
+              <a:t>3/29/2016</a:t>
             </a:fld>
             <a:endParaRPr lang="en-US"/>
           </a:p>
@@ -758,7 +763,7 @@
           <a:p>
             <a:fld id="{554081C4-6782-4726-AD96-E8DA9AA18E3E}" type="datetimeFigureOut">
               <a:rPr lang="en-US" smtClean="0"/>
-              <a:t>8/4/2015</a:t>
+              <a:t>3/29/2016</a:t>
             </a:fld>
             <a:endParaRPr lang="en-US"/>
           </a:p>
@@ -1004,7 +1009,7 @@
           <a:p>
             <a:fld id="{554081C4-6782-4726-AD96-E8DA9AA18E3E}" type="datetimeFigureOut">
               <a:rPr lang="en-US" smtClean="0"/>
-              <a:t>8/4/2015</a:t>
+              <a:t>3/29/2016</a:t>
             </a:fld>
             <a:endParaRPr lang="en-US"/>
           </a:p>
@@ -1236,7 +1241,7 @@
           <a:p>
             <a:fld id="{554081C4-6782-4726-AD96-E8DA9AA18E3E}" type="datetimeFigureOut">
               <a:rPr lang="en-US" smtClean="0"/>
-              <a:t>8/4/2015</a:t>
+              <a:t>3/29/2016</a:t>
             </a:fld>
             <a:endParaRPr lang="en-US"/>
           </a:p>
@@ -1603,7 +1608,7 @@
           <a:p>
             <a:fld id="{554081C4-6782-4726-AD96-E8DA9AA18E3E}" type="datetimeFigureOut">
               <a:rPr lang="en-US" smtClean="0"/>
-              <a:t>8/4/2015</a:t>
+              <a:t>3/29/2016</a:t>
             </a:fld>
             <a:endParaRPr lang="en-US"/>
           </a:p>
@@ -1721,7 +1726,7 @@
           <a:p>
             <a:fld id="{554081C4-6782-4726-AD96-E8DA9AA18E3E}" type="datetimeFigureOut">
               <a:rPr lang="en-US" smtClean="0"/>
-              <a:t>8/4/2015</a:t>
+              <a:t>3/29/2016</a:t>
             </a:fld>
             <a:endParaRPr lang="en-US"/>
           </a:p>
@@ -1816,7 +1821,7 @@
           <a:p>
             <a:fld id="{554081C4-6782-4726-AD96-E8DA9AA18E3E}" type="datetimeFigureOut">
               <a:rPr lang="en-US" smtClean="0"/>
-              <a:t>8/4/2015</a:t>
+              <a:t>3/29/2016</a:t>
             </a:fld>
             <a:endParaRPr lang="en-US"/>
           </a:p>
@@ -2093,7 +2098,7 @@
           <a:p>
             <a:fld id="{554081C4-6782-4726-AD96-E8DA9AA18E3E}" type="datetimeFigureOut">
               <a:rPr lang="en-US" smtClean="0"/>
-              <a:t>8/4/2015</a:t>
+              <a:t>3/29/2016</a:t>
             </a:fld>
             <a:endParaRPr lang="en-US"/>
           </a:p>
@@ -2346,7 +2351,7 @@
           <a:p>
             <a:fld id="{554081C4-6782-4726-AD96-E8DA9AA18E3E}" type="datetimeFigureOut">
               <a:rPr lang="en-US" smtClean="0"/>
-              <a:t>8/4/2015</a:t>
+              <a:t>3/29/2016</a:t>
             </a:fld>
             <a:endParaRPr lang="en-US"/>
           </a:p>
@@ -2559,7 +2564,7 @@
           <a:p>
             <a:fld id="{554081C4-6782-4726-AD96-E8DA9AA18E3E}" type="datetimeFigureOut">
               <a:rPr lang="en-US" smtClean="0"/>
-              <a:t>8/4/2015</a:t>
+              <a:t>3/29/2016</a:t>
             </a:fld>
             <a:endParaRPr lang="en-US"/>
           </a:p>
@@ -2972,8 +2977,8 @@
         </p:nvSpPr>
         <p:spPr>
           <a:xfrm>
-            <a:off x="2411905" y="1119672"/>
-            <a:ext cx="1735494" cy="777133"/>
+            <a:off x="2200275" y="1119672"/>
+            <a:ext cx="1947124" cy="777133"/>
           </a:xfrm>
           <a:prstGeom prst="rect">
             <a:avLst/>
@@ -3016,7 +3021,15 @@
                   <a:schemeClr val="tx1"/>
                 </a:solidFill>
               </a:rPr>
-              <a:t>Ventricular rate slower than 60bpm</a:t>
+              <a:t>Ventricular rate slower than </a:t>
+            </a:r>
+            <a:r>
+              <a:rPr lang="en-US" dirty="0" smtClean="0">
+                <a:solidFill>
+                  <a:schemeClr val="tx1"/>
+                </a:solidFill>
+              </a:rPr>
+              <a:t>physiological need</a:t>
             </a:r>
             <a:endParaRPr lang="en-US" dirty="0">
               <a:solidFill>
@@ -3026,126 +3039,19 @@
           </a:p>
         </p:txBody>
       </p:sp>
-      <p:sp>
-        <p:nvSpPr>
-          <p:cNvPr id="5" name="椭圆 4"/>
-          <p:cNvSpPr/>
-          <p:nvPr/>
-        </p:nvSpPr>
-        <p:spPr>
-          <a:xfrm>
-            <a:off x="2572695" y="2313985"/>
-            <a:ext cx="1413913" cy="1413913"/>
-          </a:xfrm>
-          <a:prstGeom prst="ellipse">
-            <a:avLst/>
-          </a:prstGeom>
-          <a:noFill/>
-          <a:ln w="19050">
-            <a:solidFill>
-              <a:schemeClr val="tx1"/>
-            </a:solidFill>
-          </a:ln>
-        </p:spPr>
-        <p:style>
-          <a:lnRef idx="2">
-            <a:schemeClr val="accent1">
-              <a:shade val="50000"/>
-            </a:schemeClr>
-          </a:lnRef>
-          <a:fillRef idx="1">
-            <a:schemeClr val="accent1"/>
-          </a:fillRef>
-          <a:effectRef idx="0">
-            <a:schemeClr val="accent1"/>
-          </a:effectRef>
-          <a:fontRef idx="minor">
-            <a:schemeClr val="lt1"/>
-          </a:fontRef>
-        </p:style>
-        <p:txBody>
-          <a:bodyPr rtlCol="0" anchor="ctr"/>
-          <a:lstStyle/>
-          <a:p>
-            <a:pPr algn="ctr">
-              <a:lnSpc>
-                <a:spcPts val="1700"/>
-              </a:lnSpc>
-            </a:pPr>
-            <a:endParaRPr lang="en-US" dirty="0"/>
-          </a:p>
-        </p:txBody>
-      </p:sp>
-      <p:sp>
-        <p:nvSpPr>
-          <p:cNvPr id="6" name="文本框 5"/>
-          <p:cNvSpPr txBox="1"/>
-          <p:nvPr/>
-        </p:nvSpPr>
-        <p:spPr>
-          <a:xfrm>
-            <a:off x="2607851" y="2671249"/>
-            <a:ext cx="1413913" cy="746358"/>
-          </a:xfrm>
-          <a:prstGeom prst="rect">
-            <a:avLst/>
-          </a:prstGeom>
-          <a:noFill/>
-        </p:spPr>
-        <p:txBody>
-          <a:bodyPr wrap="none" rtlCol="0">
-            <a:spAutoFit/>
-          </a:bodyPr>
-          <a:lstStyle/>
-          <a:p>
-            <a:pPr algn="ctr">
-              <a:lnSpc>
-                <a:spcPts val="1700"/>
-              </a:lnSpc>
-            </a:pPr>
-            <a:r>
-              <a:rPr lang="en-US" dirty="0" smtClean="0"/>
-              <a:t>Intrinsic rate </a:t>
-            </a:r>
-          </a:p>
-          <a:p>
-            <a:pPr algn="ctr">
-              <a:lnSpc>
-                <a:spcPts val="1700"/>
-              </a:lnSpc>
-            </a:pPr>
-            <a:r>
-              <a:rPr lang="en-US" dirty="0" smtClean="0"/>
-              <a:t>slower than </a:t>
-            </a:r>
-          </a:p>
-          <a:p>
-            <a:pPr algn="ctr">
-              <a:lnSpc>
-                <a:spcPts val="1700"/>
-              </a:lnSpc>
-            </a:pPr>
-            <a:r>
-              <a:rPr lang="en-US" dirty="0" smtClean="0"/>
-              <a:t>60bpm</a:t>
-            </a:r>
-            <a:endParaRPr lang="en-US" dirty="0"/>
-          </a:p>
-        </p:txBody>
-      </p:sp>
       <p:cxnSp>
         <p:nvCxnSpPr>
           <p:cNvPr id="8" name="直接箭头连接符 7"/>
           <p:cNvCxnSpPr>
             <a:stCxn id="4" idx="2"/>
-            <a:endCxn id="5" idx="0"/>
+            <a:endCxn id="20" idx="0"/>
           </p:cNvCxnSpPr>
           <p:nvPr/>
         </p:nvCxnSpPr>
         <p:spPr>
           <a:xfrm>
-            <a:off x="3279652" y="1896805"/>
-            <a:ext cx="0" cy="417180"/>
+            <a:off x="3173837" y="1896805"/>
+            <a:ext cx="0" cy="442486"/>
           </a:xfrm>
           <a:prstGeom prst="straightConnector1">
             <a:avLst/>
@@ -3154,7 +3060,8 @@
             <a:solidFill>
               <a:schemeClr val="tx1"/>
             </a:solidFill>
-            <a:tailEnd type="triangle"/>
+            <a:headEnd type="triangle" w="med" len="med"/>
+            <a:tailEnd type="none" w="med" len="med"/>
           </a:ln>
         </p:spPr>
         <p:style>
@@ -3484,229 +3391,6 @@
       </p:cxnSp>
       <p:sp>
         <p:nvSpPr>
-          <p:cNvPr id="22" name="椭圆 21"/>
-          <p:cNvSpPr/>
-          <p:nvPr/>
-        </p:nvSpPr>
-        <p:spPr>
-          <a:xfrm>
-            <a:off x="5306013" y="3727898"/>
-            <a:ext cx="1506572" cy="1506572"/>
-          </a:xfrm>
-          <a:prstGeom prst="ellipse">
-            <a:avLst/>
-          </a:prstGeom>
-          <a:noFill/>
-          <a:ln w="19050">
-            <a:solidFill>
-              <a:schemeClr val="tx1"/>
-            </a:solidFill>
-          </a:ln>
-        </p:spPr>
-        <p:style>
-          <a:lnRef idx="2">
-            <a:schemeClr val="accent1">
-              <a:shade val="50000"/>
-            </a:schemeClr>
-          </a:lnRef>
-          <a:fillRef idx="1">
-            <a:schemeClr val="accent1"/>
-          </a:fillRef>
-          <a:effectRef idx="0">
-            <a:schemeClr val="accent1"/>
-          </a:effectRef>
-          <a:fontRef idx="minor">
-            <a:schemeClr val="lt1"/>
-          </a:fontRef>
-        </p:style>
-        <p:txBody>
-          <a:bodyPr rtlCol="0" anchor="ctr"/>
-          <a:lstStyle/>
-          <a:p>
-            <a:pPr algn="ctr">
-              <a:lnSpc>
-                <a:spcPts val="1700"/>
-              </a:lnSpc>
-            </a:pPr>
-            <a:endParaRPr lang="en-US" dirty="0"/>
-          </a:p>
-        </p:txBody>
-      </p:sp>
-      <p:sp>
-        <p:nvSpPr>
-          <p:cNvPr id="24" name="文本框 23"/>
-          <p:cNvSpPr txBox="1"/>
-          <p:nvPr/>
-        </p:nvSpPr>
-        <p:spPr>
-          <a:xfrm>
-            <a:off x="5296442" y="4082692"/>
-            <a:ext cx="1576714" cy="964367"/>
-          </a:xfrm>
-          <a:prstGeom prst="rect">
-            <a:avLst/>
-          </a:prstGeom>
-          <a:noFill/>
-        </p:spPr>
-        <p:txBody>
-          <a:bodyPr wrap="none" rtlCol="0">
-            <a:spAutoFit/>
-          </a:bodyPr>
-          <a:lstStyle/>
-          <a:p>
-            <a:pPr algn="ctr">
-              <a:lnSpc>
-                <a:spcPts val="1700"/>
-              </a:lnSpc>
-            </a:pPr>
-            <a:r>
-              <a:rPr lang="en-US" dirty="0" smtClean="0"/>
-              <a:t>A-V synchrony </a:t>
-            </a:r>
-          </a:p>
-          <a:p>
-            <a:pPr algn="ctr">
-              <a:lnSpc>
-                <a:spcPts val="1700"/>
-              </a:lnSpc>
-            </a:pPr>
-            <a:r>
-              <a:rPr lang="en-US" dirty="0" smtClean="0"/>
-              <a:t>extends fast </a:t>
-            </a:r>
-          </a:p>
-          <a:p>
-            <a:pPr algn="ctr">
-              <a:lnSpc>
-                <a:spcPts val="1700"/>
-              </a:lnSpc>
-            </a:pPr>
-            <a:r>
-              <a:rPr lang="en-US" dirty="0" smtClean="0"/>
-              <a:t>Atrial rate to </a:t>
-            </a:r>
-          </a:p>
-          <a:p>
-            <a:pPr algn="ctr">
-              <a:lnSpc>
-                <a:spcPts val="1700"/>
-              </a:lnSpc>
-            </a:pPr>
-            <a:r>
-              <a:rPr lang="en-US" dirty="0" smtClean="0"/>
-              <a:t>the ventricle</a:t>
-            </a:r>
-          </a:p>
-        </p:txBody>
-      </p:sp>
-      <p:sp>
-        <p:nvSpPr>
-          <p:cNvPr id="25" name="椭圆 24"/>
-          <p:cNvSpPr/>
-          <p:nvPr/>
-        </p:nvSpPr>
-        <p:spPr>
-          <a:xfrm>
-            <a:off x="7367265" y="4635285"/>
-            <a:ext cx="1194917" cy="1194917"/>
-          </a:xfrm>
-          <a:prstGeom prst="ellipse">
-            <a:avLst/>
-          </a:prstGeom>
-          <a:noFill/>
-          <a:ln w="19050">
-            <a:solidFill>
-              <a:schemeClr val="tx1"/>
-            </a:solidFill>
-          </a:ln>
-        </p:spPr>
-        <p:style>
-          <a:lnRef idx="2">
-            <a:schemeClr val="accent1">
-              <a:shade val="50000"/>
-            </a:schemeClr>
-          </a:lnRef>
-          <a:fillRef idx="1">
-            <a:schemeClr val="accent1"/>
-          </a:fillRef>
-          <a:effectRef idx="0">
-            <a:schemeClr val="accent1"/>
-          </a:effectRef>
-          <a:fontRef idx="minor">
-            <a:schemeClr val="lt1"/>
-          </a:fontRef>
-        </p:style>
-        <p:txBody>
-          <a:bodyPr rtlCol="0" anchor="ctr"/>
-          <a:lstStyle/>
-          <a:p>
-            <a:pPr algn="ctr">
-              <a:lnSpc>
-                <a:spcPts val="1700"/>
-              </a:lnSpc>
-            </a:pPr>
-            <a:endParaRPr lang="en-US" dirty="0"/>
-          </a:p>
-        </p:txBody>
-      </p:sp>
-      <p:sp>
-        <p:nvSpPr>
-          <p:cNvPr id="26" name="文本框 25"/>
-          <p:cNvSpPr txBox="1"/>
-          <p:nvPr/>
-        </p:nvSpPr>
-        <p:spPr>
-          <a:xfrm>
-            <a:off x="7331378" y="4871313"/>
-            <a:ext cx="1266692" cy="746358"/>
-          </a:xfrm>
-          <a:prstGeom prst="rect">
-            <a:avLst/>
-          </a:prstGeom>
-          <a:noFill/>
-        </p:spPr>
-        <p:txBody>
-          <a:bodyPr wrap="none" rtlCol="0">
-            <a:spAutoFit/>
-          </a:bodyPr>
-          <a:lstStyle/>
-          <a:p>
-            <a:pPr algn="ctr">
-              <a:lnSpc>
-                <a:spcPts val="1700"/>
-              </a:lnSpc>
-            </a:pPr>
-            <a:r>
-              <a:rPr lang="en-US" dirty="0" smtClean="0"/>
-              <a:t>Retrograde</a:t>
-            </a:r>
-          </a:p>
-          <a:p>
-            <a:pPr algn="ctr">
-              <a:lnSpc>
-                <a:spcPts val="1700"/>
-              </a:lnSpc>
-            </a:pPr>
-            <a:r>
-              <a:rPr lang="en-US" dirty="0" smtClean="0"/>
-              <a:t>V-A</a:t>
-            </a:r>
-          </a:p>
-          <a:p>
-            <a:pPr algn="ctr">
-              <a:lnSpc>
-                <a:spcPts val="1700"/>
-              </a:lnSpc>
-            </a:pPr>
-            <a:r>
-              <a:rPr lang="en-US" dirty="0" smtClean="0"/>
-              <a:t>Conduction</a:t>
-            </a:r>
-          </a:p>
-        </p:txBody>
-      </p:sp>
-      <p:sp>
-        <p:nvSpPr>
           <p:cNvPr id="27" name="矩形 26"/>
           <p:cNvSpPr/>
           <p:nvPr/>
@@ -3786,18 +3470,20 @@
         <p:nvCxnSpPr>
           <p:cNvPr id="29" name="肘形连接符 28"/>
           <p:cNvCxnSpPr>
-            <a:stCxn id="22" idx="0"/>
+            <a:stCxn id="28" idx="0"/>
             <a:endCxn id="15" idx="2"/>
           </p:cNvCxnSpPr>
           <p:nvPr/>
         </p:nvCxnSpPr>
         <p:spPr>
           <a:xfrm rot="5400000" flipH="1" flipV="1">
-            <a:off x="6590725" y="2805926"/>
-            <a:ext cx="390546" cy="1453399"/>
+            <a:off x="6568141" y="2824526"/>
+            <a:ext cx="431731" cy="1457384"/>
           </a:xfrm>
           <a:prstGeom prst="bentConnector3">
-            <a:avLst/>
+            <a:avLst>
+              <a:gd name="adj1" fmla="val 54413"/>
+            </a:avLst>
           </a:prstGeom>
           <a:ln>
             <a:solidFill>
@@ -3862,45 +3548,162 @@
           </a:fontRef>
         </p:style>
       </p:cxnSp>
-      <p:cxnSp>
-        <p:nvCxnSpPr>
-          <p:cNvPr id="33" name="直接箭头连接符 32"/>
-          <p:cNvCxnSpPr>
-            <a:stCxn id="25" idx="0"/>
-            <a:endCxn id="27" idx="2"/>
-          </p:cNvCxnSpPr>
+      <p:sp>
+        <p:nvSpPr>
+          <p:cNvPr id="20" name="矩形 19"/>
+          <p:cNvSpPr/>
           <p:nvPr/>
-        </p:nvCxnSpPr>
+        </p:nvSpPr>
         <p:spPr>
-          <a:xfrm flipV="1">
-            <a:off x="7964724" y="4382742"/>
-            <a:ext cx="0" cy="252543"/>
+          <a:xfrm>
+            <a:off x="2102372" y="2339291"/>
+            <a:ext cx="2142930" cy="923815"/>
           </a:xfrm>
-          <a:prstGeom prst="straightConnector1">
+          <a:prstGeom prst="rect">
             <a:avLst/>
           </a:prstGeom>
-          <a:ln>
+          <a:noFill/>
+          <a:ln w="19050">
             <a:solidFill>
               <a:schemeClr val="tx1"/>
             </a:solidFill>
-            <a:tailEnd type="triangle"/>
           </a:ln>
         </p:spPr>
         <p:style>
-          <a:lnRef idx="1">
-            <a:schemeClr val="accent1"/>
+          <a:lnRef idx="2">
+            <a:schemeClr val="accent1">
+              <a:shade val="50000"/>
+            </a:schemeClr>
           </a:lnRef>
-          <a:fillRef idx="0">
+          <a:fillRef idx="1">
             <a:schemeClr val="accent1"/>
           </a:fillRef>
           <a:effectRef idx="0">
             <a:schemeClr val="accent1"/>
           </a:effectRef>
           <a:fontRef idx="minor">
-            <a:schemeClr val="tx1"/>
+            <a:schemeClr val="lt1"/>
           </a:fontRef>
         </p:style>
-      </p:cxnSp>
+        <p:txBody>
+          <a:bodyPr rtlCol="0" anchor="ctr"/>
+          <a:lstStyle/>
+          <a:p>
+            <a:pPr algn="ctr">
+              <a:lnSpc>
+                <a:spcPts val="1700"/>
+              </a:lnSpc>
+            </a:pPr>
+            <a:r>
+              <a:rPr lang="en-US" dirty="0" smtClean="0">
+                <a:solidFill>
+                  <a:schemeClr val="tx1"/>
+                </a:solidFill>
+              </a:rPr>
+              <a:t>Pacemaker </a:t>
+            </a:r>
+            <a:r>
+              <a:rPr lang="en-US" dirty="0" smtClean="0">
+                <a:solidFill>
+                  <a:schemeClr val="tx1"/>
+                </a:solidFill>
+              </a:rPr>
+              <a:t>fails to increase ventricular </a:t>
+            </a:r>
+            <a:r>
+              <a:rPr lang="en-US" dirty="0" smtClean="0">
+                <a:solidFill>
+                  <a:schemeClr val="tx1"/>
+                </a:solidFill>
+              </a:rPr>
+              <a:t>rate </a:t>
+            </a:r>
+            <a:r>
+              <a:rPr lang="en-US" dirty="0" smtClean="0">
+                <a:solidFill>
+                  <a:schemeClr val="tx1"/>
+                </a:solidFill>
+              </a:rPr>
+              <a:t>above </a:t>
+            </a:r>
+            <a:r>
+              <a:rPr lang="en-US" dirty="0" smtClean="0">
+                <a:solidFill>
+                  <a:schemeClr val="tx1"/>
+                </a:solidFill>
+              </a:rPr>
+              <a:t>physiological need</a:t>
+            </a:r>
+            <a:endParaRPr lang="en-US" dirty="0">
+              <a:solidFill>
+                <a:schemeClr val="tx1"/>
+              </a:solidFill>
+            </a:endParaRPr>
+          </a:p>
+        </p:txBody>
+      </p:sp>
+      <p:sp>
+        <p:nvSpPr>
+          <p:cNvPr id="28" name="矩形 27"/>
+          <p:cNvSpPr/>
+          <p:nvPr/>
+        </p:nvSpPr>
+        <p:spPr>
+          <a:xfrm>
+            <a:off x="5381955" y="3769083"/>
+            <a:ext cx="1346718" cy="676695"/>
+          </a:xfrm>
+          <a:prstGeom prst="rect">
+            <a:avLst/>
+          </a:prstGeom>
+          <a:noFill/>
+          <a:ln w="19050">
+            <a:solidFill>
+              <a:schemeClr val="tx1"/>
+            </a:solidFill>
+          </a:ln>
+        </p:spPr>
+        <p:style>
+          <a:lnRef idx="2">
+            <a:schemeClr val="accent1">
+              <a:shade val="50000"/>
+            </a:schemeClr>
+          </a:lnRef>
+          <a:fillRef idx="1">
+            <a:schemeClr val="accent1"/>
+          </a:fillRef>
+          <a:effectRef idx="0">
+            <a:schemeClr val="accent1"/>
+          </a:effectRef>
+          <a:fontRef idx="minor">
+            <a:schemeClr val="lt1"/>
+          </a:fontRef>
+        </p:style>
+        <p:txBody>
+          <a:bodyPr rtlCol="0" anchor="ctr"/>
+          <a:lstStyle/>
+          <a:p>
+            <a:pPr algn="ctr">
+              <a:lnSpc>
+                <a:spcPts val="1700"/>
+              </a:lnSpc>
+            </a:pPr>
+            <a:r>
+              <a:rPr lang="en-US" dirty="0" smtClean="0">
+                <a:solidFill>
+                  <a:schemeClr val="tx1"/>
+                </a:solidFill>
+              </a:rPr>
+              <a:t>Atrial Tachycardia Response</a:t>
+            </a:r>
+            <a:endParaRPr lang="en-US" dirty="0">
+              <a:solidFill>
+                <a:schemeClr val="tx1"/>
+              </a:solidFill>
+            </a:endParaRPr>
+          </a:p>
+        </p:txBody>
+      </p:sp>
     </p:spTree>
     <p:extLst>
       <p:ext uri="{BB962C8B-B14F-4D97-AF65-F5344CB8AC3E}">
